--- a/DSP/MIkkel-PowerPoints/DSP-08_FFT_algoritme.pptx
+++ b/DSP/MIkkel-PowerPoints/DSP-08_FFT_algoritme.pptx
@@ -128,362 +128,6 @@
 </p1510:revInfo>
 </file>
 
-<file path=ppt/changesInfos/changesInfo1.xml><?xml version="1.0" encoding="utf-8"?>
-<pc:chgInfo xmlns:a="http://schemas.openxmlformats.org/drawingml/2006/main" xmlns:r="http://schemas.openxmlformats.org/officeDocument/2006/relationships" xmlns:ac="http://schemas.microsoft.com/office/drawing/2013/main/command" xmlns:pc="http://schemas.microsoft.com/office/powerpoint/2013/main/command">
-  <pc:docChgLst>
-    <pc:chgData name="Mikkel Norre Nielsen" userId="S::te23dr@student.aau.dk::08025e8e-c0f6-41eb-9a1e-9487d7d200eb" providerId="AD" clId="Web-{13FA91AF-F0CE-0790-5768-E460F5DBC9C3}"/>
-    <pc:docChg chg="addSld delSld modSld sldOrd">
-      <pc:chgData name="Mikkel Norre Nielsen" userId="S::te23dr@student.aau.dk::08025e8e-c0f6-41eb-9a1e-9487d7d200eb" providerId="AD" clId="Web-{13FA91AF-F0CE-0790-5768-E460F5DBC9C3}" dt="2024-12-28T11:15:35.502" v="147"/>
-      <pc:docMkLst>
-        <pc:docMk/>
-      </pc:docMkLst>
-      <pc:sldChg chg="modSp">
-        <pc:chgData name="Mikkel Norre Nielsen" userId="S::te23dr@student.aau.dk::08025e8e-c0f6-41eb-9a1e-9487d7d200eb" providerId="AD" clId="Web-{13FA91AF-F0CE-0790-5768-E460F5DBC9C3}" dt="2024-12-28T10:45:07.967" v="20" actId="20577"/>
-        <pc:sldMkLst>
-          <pc:docMk/>
-          <pc:sldMk cId="109857222" sldId="256"/>
-        </pc:sldMkLst>
-        <pc:spChg chg="mod">
-          <ac:chgData name="Mikkel Norre Nielsen" userId="S::te23dr@student.aau.dk::08025e8e-c0f6-41eb-9a1e-9487d7d200eb" providerId="AD" clId="Web-{13FA91AF-F0CE-0790-5768-E460F5DBC9C3}" dt="2024-12-28T10:45:07.967" v="20" actId="20577"/>
-          <ac:spMkLst>
-            <pc:docMk/>
-            <pc:sldMk cId="109857222" sldId="256"/>
-            <ac:spMk id="2" creationId="{00000000-0000-0000-0000-000000000000}"/>
-          </ac:spMkLst>
-        </pc:spChg>
-      </pc:sldChg>
-      <pc:sldChg chg="addSp delSp modSp new">
-        <pc:chgData name="Mikkel Norre Nielsen" userId="S::te23dr@student.aau.dk::08025e8e-c0f6-41eb-9a1e-9487d7d200eb" providerId="AD" clId="Web-{13FA91AF-F0CE-0790-5768-E460F5DBC9C3}" dt="2024-12-28T10:42:59.010" v="3"/>
-        <pc:sldMkLst>
-          <pc:docMk/>
-          <pc:sldMk cId="4054613851" sldId="257"/>
-        </pc:sldMkLst>
-        <pc:spChg chg="del">
-          <ac:chgData name="Mikkel Norre Nielsen" userId="S::te23dr@student.aau.dk::08025e8e-c0f6-41eb-9a1e-9487d7d200eb" providerId="AD" clId="Web-{13FA91AF-F0CE-0790-5768-E460F5DBC9C3}" dt="2024-12-28T10:42:56.276" v="1"/>
-          <ac:spMkLst>
-            <pc:docMk/>
-            <pc:sldMk cId="4054613851" sldId="257"/>
-            <ac:spMk id="2" creationId="{7C73F7DC-77A9-7905-F4CF-8E865E0D85B2}"/>
-          </ac:spMkLst>
-        </pc:spChg>
-        <pc:spChg chg="del">
-          <ac:chgData name="Mikkel Norre Nielsen" userId="S::te23dr@student.aau.dk::08025e8e-c0f6-41eb-9a1e-9487d7d200eb" providerId="AD" clId="Web-{13FA91AF-F0CE-0790-5768-E460F5DBC9C3}" dt="2024-12-28T10:42:57.917" v="2"/>
-          <ac:spMkLst>
-            <pc:docMk/>
-            <pc:sldMk cId="4054613851" sldId="257"/>
-            <ac:spMk id="3" creationId="{889D4C7F-5E7A-10E4-D414-049127FD45A8}"/>
-          </ac:spMkLst>
-        </pc:spChg>
-        <pc:picChg chg="add mod">
-          <ac:chgData name="Mikkel Norre Nielsen" userId="S::te23dr@student.aau.dk::08025e8e-c0f6-41eb-9a1e-9487d7d200eb" providerId="AD" clId="Web-{13FA91AF-F0CE-0790-5768-E460F5DBC9C3}" dt="2024-12-28T10:42:59.010" v="3"/>
-          <ac:picMkLst>
-            <pc:docMk/>
-            <pc:sldMk cId="4054613851" sldId="257"/>
-            <ac:picMk id="4" creationId="{640099C0-C631-F71B-128D-596985DC0C45}"/>
-          </ac:picMkLst>
-        </pc:picChg>
-      </pc:sldChg>
-      <pc:sldChg chg="addSp delSp modSp new">
-        <pc:chgData name="Mikkel Norre Nielsen" userId="S::te23dr@student.aau.dk::08025e8e-c0f6-41eb-9a1e-9487d7d200eb" providerId="AD" clId="Web-{13FA91AF-F0CE-0790-5768-E460F5DBC9C3}" dt="2024-12-28T11:15:33.049" v="146" actId="1076"/>
-        <pc:sldMkLst>
-          <pc:docMk/>
-          <pc:sldMk cId="187911029" sldId="258"/>
-        </pc:sldMkLst>
-        <pc:spChg chg="del">
-          <ac:chgData name="Mikkel Norre Nielsen" userId="S::te23dr@student.aau.dk::08025e8e-c0f6-41eb-9a1e-9487d7d200eb" providerId="AD" clId="Web-{13FA91AF-F0CE-0790-5768-E460F5DBC9C3}" dt="2024-12-28T10:45:58.797" v="23"/>
-          <ac:spMkLst>
-            <pc:docMk/>
-            <pc:sldMk cId="187911029" sldId="258"/>
-            <ac:spMk id="2" creationId="{7263AF36-8584-83A8-EEDE-2D6FD5526962}"/>
-          </ac:spMkLst>
-        </pc:spChg>
-        <pc:spChg chg="del">
-          <ac:chgData name="Mikkel Norre Nielsen" userId="S::te23dr@student.aau.dk::08025e8e-c0f6-41eb-9a1e-9487d7d200eb" providerId="AD" clId="Web-{13FA91AF-F0CE-0790-5768-E460F5DBC9C3}" dt="2024-12-28T10:45:57.031" v="22"/>
-          <ac:spMkLst>
-            <pc:docMk/>
-            <pc:sldMk cId="187911029" sldId="258"/>
-            <ac:spMk id="3" creationId="{E92A8C86-5F55-CB13-700B-7A93C3D50CA3}"/>
-          </ac:spMkLst>
-        </pc:spChg>
-        <pc:picChg chg="add mod">
-          <ac:chgData name="Mikkel Norre Nielsen" userId="S::te23dr@student.aau.dk::08025e8e-c0f6-41eb-9a1e-9487d7d200eb" providerId="AD" clId="Web-{13FA91AF-F0CE-0790-5768-E460F5DBC9C3}" dt="2024-12-28T11:15:31.689" v="145" actId="1076"/>
-          <ac:picMkLst>
-            <pc:docMk/>
-            <pc:sldMk cId="187911029" sldId="258"/>
-            <ac:picMk id="4" creationId="{464B4064-8B87-648D-0C5E-1F4E9D298151}"/>
-          </ac:picMkLst>
-        </pc:picChg>
-        <pc:picChg chg="add mod">
-          <ac:chgData name="Mikkel Norre Nielsen" userId="S::te23dr@student.aau.dk::08025e8e-c0f6-41eb-9a1e-9487d7d200eb" providerId="AD" clId="Web-{13FA91AF-F0CE-0790-5768-E460F5DBC9C3}" dt="2024-12-28T11:15:33.049" v="146" actId="1076"/>
-          <ac:picMkLst>
-            <pc:docMk/>
-            <pc:sldMk cId="187911029" sldId="258"/>
-            <ac:picMk id="5" creationId="{BC9C15D8-C842-E4D1-FF9B-6D34A116E0F9}"/>
-          </ac:picMkLst>
-        </pc:picChg>
-      </pc:sldChg>
-      <pc:sldChg chg="addSp delSp modSp new">
-        <pc:chgData name="Mikkel Norre Nielsen" userId="S::te23dr@student.aau.dk::08025e8e-c0f6-41eb-9a1e-9487d7d200eb" providerId="AD" clId="Web-{13FA91AF-F0CE-0790-5768-E460F5DBC9C3}" dt="2024-12-28T10:46:32.626" v="31"/>
-        <pc:sldMkLst>
-          <pc:docMk/>
-          <pc:sldMk cId="2713741639" sldId="259"/>
-        </pc:sldMkLst>
-        <pc:spChg chg="del">
-          <ac:chgData name="Mikkel Norre Nielsen" userId="S::te23dr@student.aau.dk::08025e8e-c0f6-41eb-9a1e-9487d7d200eb" providerId="AD" clId="Web-{13FA91AF-F0CE-0790-5768-E460F5DBC9C3}" dt="2024-12-28T10:46:31.173" v="30"/>
-          <ac:spMkLst>
-            <pc:docMk/>
-            <pc:sldMk cId="2713741639" sldId="259"/>
-            <ac:spMk id="2" creationId="{16D722D1-9928-6A4D-86CC-3648E4849D5E}"/>
-          </ac:spMkLst>
-        </pc:spChg>
-        <pc:spChg chg="del">
-          <ac:chgData name="Mikkel Norre Nielsen" userId="S::te23dr@student.aau.dk::08025e8e-c0f6-41eb-9a1e-9487d7d200eb" providerId="AD" clId="Web-{13FA91AF-F0CE-0790-5768-E460F5DBC9C3}" dt="2024-12-28T10:46:29.861" v="29"/>
-          <ac:spMkLst>
-            <pc:docMk/>
-            <pc:sldMk cId="2713741639" sldId="259"/>
-            <ac:spMk id="3" creationId="{D081F03F-066D-2450-F921-1DD305C605B3}"/>
-          </ac:spMkLst>
-        </pc:spChg>
-        <pc:picChg chg="add mod">
-          <ac:chgData name="Mikkel Norre Nielsen" userId="S::te23dr@student.aau.dk::08025e8e-c0f6-41eb-9a1e-9487d7d200eb" providerId="AD" clId="Web-{13FA91AF-F0CE-0790-5768-E460F5DBC9C3}" dt="2024-12-28T10:46:32.626" v="31"/>
-          <ac:picMkLst>
-            <pc:docMk/>
-            <pc:sldMk cId="2713741639" sldId="259"/>
-            <ac:picMk id="4" creationId="{F029D329-BDFC-A36D-0416-EADAD16DBCBD}"/>
-          </ac:picMkLst>
-        </pc:picChg>
-      </pc:sldChg>
-      <pc:sldChg chg="addSp delSp modSp new ord">
-        <pc:chgData name="Mikkel Norre Nielsen" userId="S::te23dr@student.aau.dk::08025e8e-c0f6-41eb-9a1e-9487d7d200eb" providerId="AD" clId="Web-{13FA91AF-F0CE-0790-5768-E460F5DBC9C3}" dt="2024-12-28T10:48:53.120" v="36"/>
-        <pc:sldMkLst>
-          <pc:docMk/>
-          <pc:sldMk cId="3067214825" sldId="260"/>
-        </pc:sldMkLst>
-        <pc:spChg chg="del">
-          <ac:chgData name="Mikkel Norre Nielsen" userId="S::te23dr@student.aau.dk::08025e8e-c0f6-41eb-9a1e-9487d7d200eb" providerId="AD" clId="Web-{13FA91AF-F0CE-0790-5768-E460F5DBC9C3}" dt="2024-12-28T10:48:42.573" v="34"/>
-          <ac:spMkLst>
-            <pc:docMk/>
-            <pc:sldMk cId="3067214825" sldId="260"/>
-            <ac:spMk id="2" creationId="{1F5BE7DD-CC78-4549-9812-E5043D8828A3}"/>
-          </ac:spMkLst>
-        </pc:spChg>
-        <pc:spChg chg="del">
-          <ac:chgData name="Mikkel Norre Nielsen" userId="S::te23dr@student.aau.dk::08025e8e-c0f6-41eb-9a1e-9487d7d200eb" providerId="AD" clId="Web-{13FA91AF-F0CE-0790-5768-E460F5DBC9C3}" dt="2024-12-28T10:48:40.182" v="33"/>
-          <ac:spMkLst>
-            <pc:docMk/>
-            <pc:sldMk cId="3067214825" sldId="260"/>
-            <ac:spMk id="3" creationId="{D71FDB53-7BD6-2014-25EB-CE893B8EA881}"/>
-          </ac:spMkLst>
-        </pc:spChg>
-        <pc:picChg chg="add mod">
-          <ac:chgData name="Mikkel Norre Nielsen" userId="S::te23dr@student.aau.dk::08025e8e-c0f6-41eb-9a1e-9487d7d200eb" providerId="AD" clId="Web-{13FA91AF-F0CE-0790-5768-E460F5DBC9C3}" dt="2024-12-28T10:48:46.291" v="35"/>
-          <ac:picMkLst>
-            <pc:docMk/>
-            <pc:sldMk cId="3067214825" sldId="260"/>
-            <ac:picMk id="4" creationId="{5E7DF6FE-C060-7409-43E7-55DF62008C5D}"/>
-          </ac:picMkLst>
-        </pc:picChg>
-      </pc:sldChg>
-      <pc:sldChg chg="addSp delSp modSp new">
-        <pc:chgData name="Mikkel Norre Nielsen" userId="S::te23dr@student.aau.dk::08025e8e-c0f6-41eb-9a1e-9487d7d200eb" providerId="AD" clId="Web-{13FA91AF-F0CE-0790-5768-E460F5DBC9C3}" dt="2024-12-28T10:56:12.790" v="40"/>
-        <pc:sldMkLst>
-          <pc:docMk/>
-          <pc:sldMk cId="3626646524" sldId="261"/>
-        </pc:sldMkLst>
-        <pc:spChg chg="del">
-          <ac:chgData name="Mikkel Norre Nielsen" userId="S::te23dr@student.aau.dk::08025e8e-c0f6-41eb-9a1e-9487d7d200eb" providerId="AD" clId="Web-{13FA91AF-F0CE-0790-5768-E460F5DBC9C3}" dt="2024-12-28T10:56:10.821" v="39"/>
-          <ac:spMkLst>
-            <pc:docMk/>
-            <pc:sldMk cId="3626646524" sldId="261"/>
-            <ac:spMk id="2" creationId="{F1F41523-0310-0C13-6CC2-FCF15C31C763}"/>
-          </ac:spMkLst>
-        </pc:spChg>
-        <pc:spChg chg="del">
-          <ac:chgData name="Mikkel Norre Nielsen" userId="S::te23dr@student.aau.dk::08025e8e-c0f6-41eb-9a1e-9487d7d200eb" providerId="AD" clId="Web-{13FA91AF-F0CE-0790-5768-E460F5DBC9C3}" dt="2024-12-28T10:56:07.446" v="38"/>
-          <ac:spMkLst>
-            <pc:docMk/>
-            <pc:sldMk cId="3626646524" sldId="261"/>
-            <ac:spMk id="3" creationId="{5CB89898-A50D-732F-2336-D01928626E54}"/>
-          </ac:spMkLst>
-        </pc:spChg>
-        <pc:picChg chg="add mod">
-          <ac:chgData name="Mikkel Norre Nielsen" userId="S::te23dr@student.aau.dk::08025e8e-c0f6-41eb-9a1e-9487d7d200eb" providerId="AD" clId="Web-{13FA91AF-F0CE-0790-5768-E460F5DBC9C3}" dt="2024-12-28T10:56:12.790" v="40"/>
-          <ac:picMkLst>
-            <pc:docMk/>
-            <pc:sldMk cId="3626646524" sldId="261"/>
-            <ac:picMk id="4" creationId="{B9B34662-8CBB-ABCF-6951-201D8412E681}"/>
-          </ac:picMkLst>
-        </pc:picChg>
-      </pc:sldChg>
-      <pc:sldChg chg="addSp delSp modSp new">
-        <pc:chgData name="Mikkel Norre Nielsen" userId="S::te23dr@student.aau.dk::08025e8e-c0f6-41eb-9a1e-9487d7d200eb" providerId="AD" clId="Web-{13FA91AF-F0CE-0790-5768-E460F5DBC9C3}" dt="2024-12-28T10:57:16.682" v="45" actId="1076"/>
-        <pc:sldMkLst>
-          <pc:docMk/>
-          <pc:sldMk cId="3066551603" sldId="262"/>
-        </pc:sldMkLst>
-        <pc:spChg chg="del">
-          <ac:chgData name="Mikkel Norre Nielsen" userId="S::te23dr@student.aau.dk::08025e8e-c0f6-41eb-9a1e-9487d7d200eb" providerId="AD" clId="Web-{13FA91AF-F0CE-0790-5768-E460F5DBC9C3}" dt="2024-12-28T10:57:11.432" v="43"/>
-          <ac:spMkLst>
-            <pc:docMk/>
-            <pc:sldMk cId="3066551603" sldId="262"/>
-            <ac:spMk id="2" creationId="{C8C48A10-E59B-C10F-674A-7AE3DC0D9FED}"/>
-          </ac:spMkLst>
-        </pc:spChg>
-        <pc:spChg chg="del">
-          <ac:chgData name="Mikkel Norre Nielsen" userId="S::te23dr@student.aau.dk::08025e8e-c0f6-41eb-9a1e-9487d7d200eb" providerId="AD" clId="Web-{13FA91AF-F0CE-0790-5768-E460F5DBC9C3}" dt="2024-12-28T10:57:09.651" v="42"/>
-          <ac:spMkLst>
-            <pc:docMk/>
-            <pc:sldMk cId="3066551603" sldId="262"/>
-            <ac:spMk id="3" creationId="{0BACD5FD-93D7-31A1-9B09-2E87B5F48B8C}"/>
-          </ac:spMkLst>
-        </pc:spChg>
-        <pc:picChg chg="add mod">
-          <ac:chgData name="Mikkel Norre Nielsen" userId="S::te23dr@student.aau.dk::08025e8e-c0f6-41eb-9a1e-9487d7d200eb" providerId="AD" clId="Web-{13FA91AF-F0CE-0790-5768-E460F5DBC9C3}" dt="2024-12-28T10:57:16.682" v="45" actId="1076"/>
-          <ac:picMkLst>
-            <pc:docMk/>
-            <pc:sldMk cId="3066551603" sldId="262"/>
-            <ac:picMk id="4" creationId="{4FBDB043-0152-B6CD-B119-7305C20DDE58}"/>
-          </ac:picMkLst>
-        </pc:picChg>
-      </pc:sldChg>
-      <pc:sldChg chg="addSp delSp modSp new">
-        <pc:chgData name="Mikkel Norre Nielsen" userId="S::te23dr@student.aau.dk::08025e8e-c0f6-41eb-9a1e-9487d7d200eb" providerId="AD" clId="Web-{13FA91AF-F0CE-0790-5768-E460F5DBC9C3}" dt="2024-12-28T11:10:27.976" v="136" actId="1076"/>
-        <pc:sldMkLst>
-          <pc:docMk/>
-          <pc:sldMk cId="48469257" sldId="263"/>
-        </pc:sldMkLst>
-        <pc:spChg chg="del">
-          <ac:chgData name="Mikkel Norre Nielsen" userId="S::te23dr@student.aau.dk::08025e8e-c0f6-41eb-9a1e-9487d7d200eb" providerId="AD" clId="Web-{13FA91AF-F0CE-0790-5768-E460F5DBC9C3}" dt="2024-12-28T10:57:51.074" v="47"/>
-          <ac:spMkLst>
-            <pc:docMk/>
-            <pc:sldMk cId="48469257" sldId="263"/>
-            <ac:spMk id="2" creationId="{1D931783-E722-03D0-D443-372596674AB6}"/>
-          </ac:spMkLst>
-        </pc:spChg>
-        <pc:spChg chg="del">
-          <ac:chgData name="Mikkel Norre Nielsen" userId="S::te23dr@student.aau.dk::08025e8e-c0f6-41eb-9a1e-9487d7d200eb" providerId="AD" clId="Web-{13FA91AF-F0CE-0790-5768-E460F5DBC9C3}" dt="2024-12-28T10:57:54.043" v="48"/>
-          <ac:spMkLst>
-            <pc:docMk/>
-            <pc:sldMk cId="48469257" sldId="263"/>
-            <ac:spMk id="3" creationId="{39FAD84A-5BD1-5F85-00C4-C277621F6AEF}"/>
-          </ac:spMkLst>
-        </pc:spChg>
-        <pc:spChg chg="add mod">
-          <ac:chgData name="Mikkel Norre Nielsen" userId="S::te23dr@student.aau.dk::08025e8e-c0f6-41eb-9a1e-9487d7d200eb" providerId="AD" clId="Web-{13FA91AF-F0CE-0790-5768-E460F5DBC9C3}" dt="2024-12-28T11:10:27.976" v="136" actId="1076"/>
-          <ac:spMkLst>
-            <pc:docMk/>
-            <pc:sldMk cId="48469257" sldId="263"/>
-            <ac:spMk id="7" creationId="{0F73E9B6-14CE-4F48-3CA9-7D377A87C9A0}"/>
-          </ac:spMkLst>
-        </pc:spChg>
-        <pc:picChg chg="add del mod modCrop">
-          <ac:chgData name="Mikkel Norre Nielsen" userId="S::te23dr@student.aau.dk::08025e8e-c0f6-41eb-9a1e-9487d7d200eb" providerId="AD" clId="Web-{13FA91AF-F0CE-0790-5768-E460F5DBC9C3}" dt="2024-12-28T11:00:12.469" v="77"/>
-          <ac:picMkLst>
-            <pc:docMk/>
-            <pc:sldMk cId="48469257" sldId="263"/>
-            <ac:picMk id="4" creationId="{CA45BFB0-E75C-18E0-A260-92E7C92A6332}"/>
-          </ac:picMkLst>
-        </pc:picChg>
-        <pc:picChg chg="add del mod">
-          <ac:chgData name="Mikkel Norre Nielsen" userId="S::te23dr@student.aau.dk::08025e8e-c0f6-41eb-9a1e-9487d7d200eb" providerId="AD" clId="Web-{13FA91AF-F0CE-0790-5768-E460F5DBC9C3}" dt="2024-12-28T11:00:13.969" v="78"/>
-          <ac:picMkLst>
-            <pc:docMk/>
-            <pc:sldMk cId="48469257" sldId="263"/>
-            <ac:picMk id="5" creationId="{4581CFEC-F7E2-318B-45CB-A1CFA7230735}"/>
-          </ac:picMkLst>
-        </pc:picChg>
-        <pc:picChg chg="add del mod">
-          <ac:chgData name="Mikkel Norre Nielsen" userId="S::te23dr@student.aau.dk::08025e8e-c0f6-41eb-9a1e-9487d7d200eb" providerId="AD" clId="Web-{13FA91AF-F0CE-0790-5768-E460F5DBC9C3}" dt="2024-12-28T11:00:11.875" v="76"/>
-          <ac:picMkLst>
-            <pc:docMk/>
-            <pc:sldMk cId="48469257" sldId="263"/>
-            <ac:picMk id="6" creationId="{F290F06E-9361-6DB4-6EB4-E5A9574AE183}"/>
-          </ac:picMkLst>
-        </pc:picChg>
-      </pc:sldChg>
-      <pc:sldChg chg="addSp delSp modSp new">
-        <pc:chgData name="Mikkel Norre Nielsen" userId="S::te23dr@student.aau.dk::08025e8e-c0f6-41eb-9a1e-9487d7d200eb" providerId="AD" clId="Web-{13FA91AF-F0CE-0790-5768-E460F5DBC9C3}" dt="2024-12-28T11:10:17.600" v="134"/>
-        <pc:sldMkLst>
-          <pc:docMk/>
-          <pc:sldMk cId="3806867444" sldId="264"/>
-        </pc:sldMkLst>
-        <pc:spChg chg="del">
-          <ac:chgData name="Mikkel Norre Nielsen" userId="S::te23dr@student.aau.dk::08025e8e-c0f6-41eb-9a1e-9487d7d200eb" providerId="AD" clId="Web-{13FA91AF-F0CE-0790-5768-E460F5DBC9C3}" dt="2024-12-28T11:03:48.507" v="80"/>
-          <ac:spMkLst>
-            <pc:docMk/>
-            <pc:sldMk cId="3806867444" sldId="264"/>
-            <ac:spMk id="2" creationId="{25B1935B-89FF-7C71-FD79-F0296E45254B}"/>
-          </ac:spMkLst>
-        </pc:spChg>
-        <pc:spChg chg="del">
-          <ac:chgData name="Mikkel Norre Nielsen" userId="S::te23dr@student.aau.dk::08025e8e-c0f6-41eb-9a1e-9487d7d200eb" providerId="AD" clId="Web-{13FA91AF-F0CE-0790-5768-E460F5DBC9C3}" dt="2024-12-28T11:03:46.741" v="79"/>
-          <ac:spMkLst>
-            <pc:docMk/>
-            <pc:sldMk cId="3806867444" sldId="264"/>
-            <ac:spMk id="3" creationId="{75CF9181-37D9-81B0-2A0E-3EF6974B9F3A}"/>
-          </ac:spMkLst>
-        </pc:spChg>
-        <pc:spChg chg="add del mod">
-          <ac:chgData name="Mikkel Norre Nielsen" userId="S::te23dr@student.aau.dk::08025e8e-c0f6-41eb-9a1e-9487d7d200eb" providerId="AD" clId="Web-{13FA91AF-F0CE-0790-5768-E460F5DBC9C3}" dt="2024-12-28T11:10:17.600" v="134"/>
-          <ac:spMkLst>
-            <pc:docMk/>
-            <pc:sldMk cId="3806867444" sldId="264"/>
-            <ac:spMk id="6" creationId="{0F73E9B6-14CE-4F48-3CA9-7D377A87C9A0}"/>
-          </ac:spMkLst>
-        </pc:spChg>
-        <pc:picChg chg="add del mod">
-          <ac:chgData name="Mikkel Norre Nielsen" userId="S::te23dr@student.aau.dk::08025e8e-c0f6-41eb-9a1e-9487d7d200eb" providerId="AD" clId="Web-{13FA91AF-F0CE-0790-5768-E460F5DBC9C3}" dt="2024-12-28T11:09:35.736" v="116"/>
-          <ac:picMkLst>
-            <pc:docMk/>
-            <pc:sldMk cId="3806867444" sldId="264"/>
-            <ac:picMk id="4" creationId="{CD85B305-83CA-0759-211A-B8E152CC99E9}"/>
-          </ac:picMkLst>
-        </pc:picChg>
-        <pc:picChg chg="add mod">
-          <ac:chgData name="Mikkel Norre Nielsen" userId="S::te23dr@student.aau.dk::08025e8e-c0f6-41eb-9a1e-9487d7d200eb" providerId="AD" clId="Web-{13FA91AF-F0CE-0790-5768-E460F5DBC9C3}" dt="2024-12-28T11:10:07.553" v="132" actId="1076"/>
-          <ac:picMkLst>
-            <pc:docMk/>
-            <pc:sldMk cId="3806867444" sldId="264"/>
-            <ac:picMk id="5" creationId="{D0C6824F-CB3D-40DC-D761-38B6C231778F}"/>
-          </ac:picMkLst>
-        </pc:picChg>
-      </pc:sldChg>
-      <pc:sldChg chg="addSp delSp modSp new del">
-        <pc:chgData name="Mikkel Norre Nielsen" userId="S::te23dr@student.aau.dk::08025e8e-c0f6-41eb-9a1e-9487d7d200eb" providerId="AD" clId="Web-{13FA91AF-F0CE-0790-5768-E460F5DBC9C3}" dt="2024-12-28T11:15:35.502" v="147"/>
-        <pc:sldMkLst>
-          <pc:docMk/>
-          <pc:sldMk cId="3918619849" sldId="265"/>
-        </pc:sldMkLst>
-        <pc:spChg chg="del">
-          <ac:chgData name="Mikkel Norre Nielsen" userId="S::te23dr@student.aau.dk::08025e8e-c0f6-41eb-9a1e-9487d7d200eb" providerId="AD" clId="Web-{13FA91AF-F0CE-0790-5768-E460F5DBC9C3}" dt="2024-12-28T11:15:16.892" v="138"/>
-          <ac:spMkLst>
-            <pc:docMk/>
-            <pc:sldMk cId="3918619849" sldId="265"/>
-            <ac:spMk id="2" creationId="{5204C5B7-0F9C-788C-BAB0-83092EE6C620}"/>
-          </ac:spMkLst>
-        </pc:spChg>
-        <pc:spChg chg="del">
-          <ac:chgData name="Mikkel Norre Nielsen" userId="S::te23dr@student.aau.dk::08025e8e-c0f6-41eb-9a1e-9487d7d200eb" providerId="AD" clId="Web-{13FA91AF-F0CE-0790-5768-E460F5DBC9C3}" dt="2024-12-28T11:15:18.939" v="139"/>
-          <ac:spMkLst>
-            <pc:docMk/>
-            <pc:sldMk cId="3918619849" sldId="265"/>
-            <ac:spMk id="3" creationId="{FEE13650-DBE3-3EA3-A033-7CFEDFA50DCE}"/>
-          </ac:spMkLst>
-        </pc:spChg>
-        <pc:picChg chg="add del mod">
-          <ac:chgData name="Mikkel Norre Nielsen" userId="S::te23dr@student.aau.dk::08025e8e-c0f6-41eb-9a1e-9487d7d200eb" providerId="AD" clId="Web-{13FA91AF-F0CE-0790-5768-E460F5DBC9C3}" dt="2024-12-28T11:15:21.751" v="141"/>
-          <ac:picMkLst>
-            <pc:docMk/>
-            <pc:sldMk cId="3918619849" sldId="265"/>
-            <ac:picMk id="4" creationId="{E142BE22-EE06-E713-0AA2-C07CF4818F4A}"/>
-          </ac:picMkLst>
-        </pc:picChg>
-      </pc:sldChg>
-    </pc:docChg>
-  </pc:docChgLst>
-</pc:chgInfo>
-</file>
-
 <file path=ppt/slideLayouts/slideLayout1.xml><?xml version="1.0" encoding="utf-8"?>
 <p:sldLayout xmlns:a="http://schemas.openxmlformats.org/drawingml/2006/main" xmlns:r="http://schemas.openxmlformats.org/officeDocument/2006/relationships" xmlns:p="http://schemas.openxmlformats.org/presentationml/2006/main" type="title" preserve="1">
   <p:cSld name="Title Slide">
@@ -615,7 +259,7 @@
           <a:p>
             <a:fld id="{846CE7D5-CF57-46EF-B807-FDD0502418D4}" type="datetimeFigureOut">
               <a:rPr lang="en-US" smtClean="0"/>
-              <a:t>12/28/2024</a:t>
+              <a:t>1/15/2025</a:t>
             </a:fld>
             <a:endParaRPr lang="en-US"/>
           </a:p>
@@ -657,7 +301,7 @@
           <a:p>
             <a:fld id="{330EA680-D336-4FF7-8B7A-9848BB0A1C32}" type="slidenum">
               <a:rPr lang="en-US" smtClean="0"/>
-              <a:t>‹#›</a:t>
+              <a:t>‹nr.›</a:t>
             </a:fld>
             <a:endParaRPr lang="en-US"/>
           </a:p>
@@ -785,7 +429,7 @@
           <a:p>
             <a:fld id="{846CE7D5-CF57-46EF-B807-FDD0502418D4}" type="datetimeFigureOut">
               <a:rPr lang="en-US" smtClean="0"/>
-              <a:t>12/28/2024</a:t>
+              <a:t>1/15/2025</a:t>
             </a:fld>
             <a:endParaRPr lang="en-US"/>
           </a:p>
@@ -827,7 +471,7 @@
           <a:p>
             <a:fld id="{330EA680-D336-4FF7-8B7A-9848BB0A1C32}" type="slidenum">
               <a:rPr lang="en-US" smtClean="0"/>
-              <a:t>‹#›</a:t>
+              <a:t>‹nr.›</a:t>
             </a:fld>
             <a:endParaRPr lang="en-US"/>
           </a:p>
@@ -965,7 +609,7 @@
           <a:p>
             <a:fld id="{846CE7D5-CF57-46EF-B807-FDD0502418D4}" type="datetimeFigureOut">
               <a:rPr lang="en-US" smtClean="0"/>
-              <a:t>12/28/2024</a:t>
+              <a:t>1/15/2025</a:t>
             </a:fld>
             <a:endParaRPr lang="en-US"/>
           </a:p>
@@ -1007,7 +651,7 @@
           <a:p>
             <a:fld id="{330EA680-D336-4FF7-8B7A-9848BB0A1C32}" type="slidenum">
               <a:rPr lang="en-US" smtClean="0"/>
-              <a:t>‹#›</a:t>
+              <a:t>‹nr.›</a:t>
             </a:fld>
             <a:endParaRPr lang="en-US"/>
           </a:p>
@@ -1135,7 +779,7 @@
           <a:p>
             <a:fld id="{846CE7D5-CF57-46EF-B807-FDD0502418D4}" type="datetimeFigureOut">
               <a:rPr lang="en-US" smtClean="0"/>
-              <a:t>12/28/2024</a:t>
+              <a:t>1/15/2025</a:t>
             </a:fld>
             <a:endParaRPr lang="en-US"/>
           </a:p>
@@ -1177,7 +821,7 @@
           <a:p>
             <a:fld id="{330EA680-D336-4FF7-8B7A-9848BB0A1C32}" type="slidenum">
               <a:rPr lang="en-US" smtClean="0"/>
-              <a:t>‹#›</a:t>
+              <a:t>‹nr.›</a:t>
             </a:fld>
             <a:endParaRPr lang="en-US"/>
           </a:p>
@@ -1381,7 +1025,7 @@
           <a:p>
             <a:fld id="{846CE7D5-CF57-46EF-B807-FDD0502418D4}" type="datetimeFigureOut">
               <a:rPr lang="en-US" smtClean="0"/>
-              <a:t>12/28/2024</a:t>
+              <a:t>1/15/2025</a:t>
             </a:fld>
             <a:endParaRPr lang="en-US"/>
           </a:p>
@@ -1423,7 +1067,7 @@
           <a:p>
             <a:fld id="{330EA680-D336-4FF7-8B7A-9848BB0A1C32}" type="slidenum">
               <a:rPr lang="en-US" smtClean="0"/>
-              <a:t>‹#›</a:t>
+              <a:t>‹nr.›</a:t>
             </a:fld>
             <a:endParaRPr lang="en-US"/>
           </a:p>
@@ -1613,7 +1257,7 @@
           <a:p>
             <a:fld id="{846CE7D5-CF57-46EF-B807-FDD0502418D4}" type="datetimeFigureOut">
               <a:rPr lang="en-US" smtClean="0"/>
-              <a:t>12/28/2024</a:t>
+              <a:t>1/15/2025</a:t>
             </a:fld>
             <a:endParaRPr lang="en-US"/>
           </a:p>
@@ -1655,7 +1299,7 @@
           <a:p>
             <a:fld id="{330EA680-D336-4FF7-8B7A-9848BB0A1C32}" type="slidenum">
               <a:rPr lang="en-US" smtClean="0"/>
-              <a:t>‹#›</a:t>
+              <a:t>‹nr.›</a:t>
             </a:fld>
             <a:endParaRPr lang="en-US"/>
           </a:p>
@@ -1980,7 +1624,7 @@
           <a:p>
             <a:fld id="{846CE7D5-CF57-46EF-B807-FDD0502418D4}" type="datetimeFigureOut">
               <a:rPr lang="en-US" smtClean="0"/>
-              <a:t>12/28/2024</a:t>
+              <a:t>1/15/2025</a:t>
             </a:fld>
             <a:endParaRPr lang="en-US"/>
           </a:p>
@@ -2022,7 +1666,7 @@
           <a:p>
             <a:fld id="{330EA680-D336-4FF7-8B7A-9848BB0A1C32}" type="slidenum">
               <a:rPr lang="en-US" smtClean="0"/>
-              <a:t>‹#›</a:t>
+              <a:t>‹nr.›</a:t>
             </a:fld>
             <a:endParaRPr lang="en-US"/>
           </a:p>
@@ -2098,7 +1742,7 @@
           <a:p>
             <a:fld id="{846CE7D5-CF57-46EF-B807-FDD0502418D4}" type="datetimeFigureOut">
               <a:rPr lang="en-US" smtClean="0"/>
-              <a:t>12/28/2024</a:t>
+              <a:t>1/15/2025</a:t>
             </a:fld>
             <a:endParaRPr lang="en-US"/>
           </a:p>
@@ -2140,7 +1784,7 @@
           <a:p>
             <a:fld id="{330EA680-D336-4FF7-8B7A-9848BB0A1C32}" type="slidenum">
               <a:rPr lang="en-US" smtClean="0"/>
-              <a:t>‹#›</a:t>
+              <a:t>‹nr.›</a:t>
             </a:fld>
             <a:endParaRPr lang="en-US"/>
           </a:p>
@@ -2193,7 +1837,7 @@
           <a:p>
             <a:fld id="{846CE7D5-CF57-46EF-B807-FDD0502418D4}" type="datetimeFigureOut">
               <a:rPr lang="en-US" smtClean="0"/>
-              <a:t>12/28/2024</a:t>
+              <a:t>1/15/2025</a:t>
             </a:fld>
             <a:endParaRPr lang="en-US"/>
           </a:p>
@@ -2235,7 +1879,7 @@
           <a:p>
             <a:fld id="{330EA680-D336-4FF7-8B7A-9848BB0A1C32}" type="slidenum">
               <a:rPr lang="en-US" smtClean="0"/>
-              <a:t>‹#›</a:t>
+              <a:t>‹nr.›</a:t>
             </a:fld>
             <a:endParaRPr lang="en-US"/>
           </a:p>
@@ -2470,7 +2114,7 @@
           <a:p>
             <a:fld id="{846CE7D5-CF57-46EF-B807-FDD0502418D4}" type="datetimeFigureOut">
               <a:rPr lang="en-US" smtClean="0"/>
-              <a:t>12/28/2024</a:t>
+              <a:t>1/15/2025</a:t>
             </a:fld>
             <a:endParaRPr lang="en-US"/>
           </a:p>
@@ -2512,7 +2156,7 @@
           <a:p>
             <a:fld id="{330EA680-D336-4FF7-8B7A-9848BB0A1C32}" type="slidenum">
               <a:rPr lang="en-US" smtClean="0"/>
-              <a:t>‹#›</a:t>
+              <a:t>‹nr.›</a:t>
             </a:fld>
             <a:endParaRPr lang="en-US"/>
           </a:p>
@@ -2727,7 +2371,7 @@
           <a:p>
             <a:fld id="{846CE7D5-CF57-46EF-B807-FDD0502418D4}" type="datetimeFigureOut">
               <a:rPr lang="en-US" smtClean="0"/>
-              <a:t>12/28/2024</a:t>
+              <a:t>1/15/2025</a:t>
             </a:fld>
             <a:endParaRPr lang="en-US"/>
           </a:p>
@@ -2769,7 +2413,7 @@
           <a:p>
             <a:fld id="{330EA680-D336-4FF7-8B7A-9848BB0A1C32}" type="slidenum">
               <a:rPr lang="en-US" smtClean="0"/>
-              <a:t>‹#›</a:t>
+              <a:t>‹nr.›</a:t>
             </a:fld>
             <a:endParaRPr lang="en-US"/>
           </a:p>
@@ -2940,7 +2584,7 @@
           <a:p>
             <a:fld id="{846CE7D5-CF57-46EF-B807-FDD0502418D4}" type="datetimeFigureOut">
               <a:rPr lang="en-US" smtClean="0"/>
-              <a:t>12/28/2024</a:t>
+              <a:t>1/15/2025</a:t>
             </a:fld>
             <a:endParaRPr lang="en-US"/>
           </a:p>
@@ -3018,7 +2662,7 @@
           <a:p>
             <a:fld id="{330EA680-D336-4FF7-8B7A-9848BB0A1C32}" type="slidenum">
               <a:rPr lang="en-US" smtClean="0"/>
-              <a:t>‹#›</a:t>
+              <a:t>‹nr.›</a:t>
             </a:fld>
             <a:endParaRPr lang="en-US"/>
           </a:p>
@@ -3891,7 +3535,7 @@
         </p:nvSpPr>
         <p:spPr>
           <a:xfrm>
-            <a:off x="182075" y="3192646"/>
+            <a:off x="732177" y="5058809"/>
             <a:ext cx="4372411" cy="800219"/>
           </a:xfrm>
           <a:prstGeom prst="rect">
@@ -4016,6 +3660,80 @@
           </a:p>
         </p:txBody>
       </p:sp>
+      <p:pic>
+        <p:nvPicPr>
+          <p:cNvPr id="3" name="Billede 2">
+            <a:extLst>
+              <a:ext uri="{FF2B5EF4-FFF2-40B4-BE49-F238E27FC236}">
+                <a16:creationId xmlns:a16="http://schemas.microsoft.com/office/drawing/2014/main" id="{EAAAFC70-0034-540A-5E60-A1E294EC5CB2}"/>
+              </a:ext>
+            </a:extLst>
+          </p:cNvPr>
+          <p:cNvPicPr>
+            <a:picLocks noChangeAspect="1"/>
+          </p:cNvPicPr>
+          <p:nvPr/>
+        </p:nvPicPr>
+        <p:blipFill>
+          <a:blip r:embed="rId4"/>
+          <a:stretch>
+            <a:fillRect/>
+          </a:stretch>
+        </p:blipFill>
+        <p:spPr>
+          <a:xfrm>
+            <a:off x="732177" y="2945301"/>
+            <a:ext cx="3513189" cy="1541012"/>
+          </a:xfrm>
+          <a:prstGeom prst="rect">
+            <a:avLst/>
+          </a:prstGeom>
+        </p:spPr>
+      </p:pic>
+      <p:cxnSp>
+        <p:nvCxnSpPr>
+          <p:cNvPr id="8" name="Lige pilforbindelse 7">
+            <a:extLst>
+              <a:ext uri="{FF2B5EF4-FFF2-40B4-BE49-F238E27FC236}">
+                <a16:creationId xmlns:a16="http://schemas.microsoft.com/office/drawing/2014/main" id="{20E662CA-9BF6-E926-C6C6-3A0685A4D639}"/>
+              </a:ext>
+            </a:extLst>
+          </p:cNvPr>
+          <p:cNvCxnSpPr>
+            <a:cxnSpLocks/>
+          </p:cNvCxnSpPr>
+          <p:nvPr/>
+        </p:nvCxnSpPr>
+        <p:spPr>
+          <a:xfrm>
+            <a:off x="2409825" y="2371688"/>
+            <a:ext cx="0" cy="504862"/>
+          </a:xfrm>
+          <a:prstGeom prst="straightConnector1">
+            <a:avLst/>
+          </a:prstGeom>
+          <a:ln>
+            <a:solidFill>
+              <a:srgbClr val="FF0000"/>
+            </a:solidFill>
+            <a:tailEnd type="triangle"/>
+          </a:ln>
+        </p:spPr>
+        <p:style>
+          <a:lnRef idx="2">
+            <a:schemeClr val="accent1"/>
+          </a:lnRef>
+          <a:fillRef idx="0">
+            <a:schemeClr val="accent1"/>
+          </a:fillRef>
+          <a:effectRef idx="1">
+            <a:schemeClr val="accent1"/>
+          </a:effectRef>
+          <a:fontRef idx="minor">
+            <a:schemeClr val="tx1"/>
+          </a:fontRef>
+        </p:style>
+      </p:cxnSp>
     </p:spTree>
     <p:extLst>
       <p:ext uri="{BB962C8B-B14F-4D97-AF65-F5344CB8AC3E}">
